--- a/SupportingDocuments/S11. Flow chart of the Colab notebook.pptx
+++ b/SupportingDocuments/S11. Flow chart of the Colab notebook.pptx
@@ -226,7 +226,7 @@
           <a:p>
             <a:fld id="{55F3FBE3-2DF8-BB41-ACE3-74ACBACD6F84}" type="datetimeFigureOut">
               <a:rPr lang="en-US" smtClean="0"/>
-              <a:t>6/12/25</a:t>
+              <a:t>8/27/25</a:t>
             </a:fld>
             <a:endParaRPr lang="en-US"/>
           </a:p>
@@ -570,19 +570,74 @@
               </a:rPr>
               <a:t>Using Nanopore sequencing to assemble and compare chloroplast genomes: introducing genomics and bioinformatics into the classroom. Tyler Gandee, Caylin Murray, Alfredo Lopez-Caamal, Isobel Cobb, Laura F. Galloway, Joseph A. Harsh, Karen B. Barnard-Kubow. </a:t>
             </a:r>
+          </a:p>
+          <a:p>
+            <a:pPr marL="0" marR="0" lvl="0" indent="0" algn="l" defTabSz="914400" rtl="0" eaLnBrk="1" fontAlgn="auto" latinLnBrk="0" hangingPunct="1">
+              <a:lnSpc>
+                <a:spcPct val="100000"/>
+              </a:lnSpc>
+              <a:spcBef>
+                <a:spcPts val="0"/>
+              </a:spcBef>
+              <a:spcAft>
+                <a:spcPts val="0"/>
+              </a:spcAft>
+              <a:buClrTx/>
+              <a:buSzTx/>
+              <a:buFontTx/>
+              <a:buNone/>
+              <a:tabLst/>
+              <a:defRPr/>
+            </a:pPr>
+            <a:endParaRPr lang="en-US" sz="1200" kern="1200" dirty="0">
+              <a:solidFill>
+                <a:schemeClr val="tx1"/>
+              </a:solidFill>
+              <a:effectLst/>
+              <a:latin typeface="+mn-lt"/>
+              <a:ea typeface="+mn-ea"/>
+              <a:cs typeface="+mn-cs"/>
+            </a:endParaRPr>
+          </a:p>
+          <a:p>
+            <a:pPr marL="0" marR="0" lvl="0" indent="0" algn="l" defTabSz="914400" rtl="0" eaLnBrk="1" fontAlgn="auto" latinLnBrk="0" hangingPunct="1">
+              <a:lnSpc>
+                <a:spcPct val="100000"/>
+              </a:lnSpc>
+              <a:spcBef>
+                <a:spcPts val="0"/>
+              </a:spcBef>
+              <a:spcAft>
+                <a:spcPts val="0"/>
+              </a:spcAft>
+              <a:buClrTx/>
+              <a:buSzTx/>
+              <a:buFontTx/>
+              <a:buNone/>
+              <a:tabLst/>
+              <a:defRPr/>
+            </a:pPr>
+            <a:r>
+              <a:rPr lang="en-US" sz="1200" kern="1200" dirty="0">
+                <a:solidFill>
+                  <a:schemeClr val="tx1"/>
+                </a:solidFill>
+                <a:effectLst/>
+                <a:latin typeface="+mn-lt"/>
+                <a:ea typeface="+mn-ea"/>
+                <a:cs typeface="+mn-cs"/>
+              </a:rPr>
+              <a:t>Larger dashed boxes outline the three main steps of the Bioinformatic analysis, genome assemble, visualization and annotation of the assembled genome, and genome comparison and scoring of structural variation. Solid boxes indicate programs that are used/run. Smaller dashed files indicate the input/output files that are passed to the programs.</a:t>
+            </a:r>
             <a:endParaRPr lang="en-US" dirty="0"/>
           </a:p>
           <a:p>
-            <a:endParaRPr lang="en-US"/>
-          </a:p>
-          <a:p>
-            <a:r>
-              <a:rPr lang="en-US"/>
-              <a:t>Large </a:t>
-            </a:r>
+            <a:endParaRPr lang="en-US" dirty="0"/>
+          </a:p>
+          <a:p>
             <a:r>
               <a:rPr lang="en-US" dirty="0"/>
-              <a:t>dashed boxes indicate the three main stages of bioinformatic analysis, including assembly of one parent’s chloroplast genome, visualization and annotation of that genome, and then comparison of the genome with the second parent’s genome obtained from another group with the scoring of structural variants. Smaller solid lined boxes indicate programs used during the analysis, while smaller dashed lined boxes indicate starting and intermediate files used and produced during analysis.</a:t>
+              <a:t>Large dashed boxes indicate the three main stages of bioinformatic analysis, including assembly of one parent’s chloroplast genome, visualization and annotation of that genome, and then comparison of the genome with the second parent’s genome obtained from another group with the scoring of structural variants. Smaller solid lined boxes indicate programs used during the analysis, while smaller dashed lined boxes indicate starting and intermediate files used and produced during analysis.</a:t>
             </a:r>
           </a:p>
         </p:txBody>
@@ -770,7 +825,7 @@
           <a:p>
             <a:fld id="{AE933607-FF16-4D4F-96F4-15994D954505}" type="datetimeFigureOut">
               <a:rPr lang="en-US" smtClean="0"/>
-              <a:t>6/12/25</a:t>
+              <a:t>8/27/25</a:t>
             </a:fld>
             <a:endParaRPr lang="en-US"/>
           </a:p>
@@ -968,7 +1023,7 @@
           <a:p>
             <a:fld id="{AE933607-FF16-4D4F-96F4-15994D954505}" type="datetimeFigureOut">
               <a:rPr lang="en-US" smtClean="0"/>
-              <a:t>6/12/25</a:t>
+              <a:t>8/27/25</a:t>
             </a:fld>
             <a:endParaRPr lang="en-US"/>
           </a:p>
@@ -1176,7 +1231,7 @@
           <a:p>
             <a:fld id="{AE933607-FF16-4D4F-96F4-15994D954505}" type="datetimeFigureOut">
               <a:rPr lang="en-US" smtClean="0"/>
-              <a:t>6/12/25</a:t>
+              <a:t>8/27/25</a:t>
             </a:fld>
             <a:endParaRPr lang="en-US"/>
           </a:p>
@@ -1374,7 +1429,7 @@
           <a:p>
             <a:fld id="{AE933607-FF16-4D4F-96F4-15994D954505}" type="datetimeFigureOut">
               <a:rPr lang="en-US" smtClean="0"/>
-              <a:t>6/12/25</a:t>
+              <a:t>8/27/25</a:t>
             </a:fld>
             <a:endParaRPr lang="en-US"/>
           </a:p>
@@ -1649,7 +1704,7 @@
           <a:p>
             <a:fld id="{AE933607-FF16-4D4F-96F4-15994D954505}" type="datetimeFigureOut">
               <a:rPr lang="en-US" smtClean="0"/>
-              <a:t>6/12/25</a:t>
+              <a:t>8/27/25</a:t>
             </a:fld>
             <a:endParaRPr lang="en-US"/>
           </a:p>
@@ -1914,7 +1969,7 @@
           <a:p>
             <a:fld id="{AE933607-FF16-4D4F-96F4-15994D954505}" type="datetimeFigureOut">
               <a:rPr lang="en-US" smtClean="0"/>
-              <a:t>6/12/25</a:t>
+              <a:t>8/27/25</a:t>
             </a:fld>
             <a:endParaRPr lang="en-US"/>
           </a:p>
@@ -2326,7 +2381,7 @@
           <a:p>
             <a:fld id="{AE933607-FF16-4D4F-96F4-15994D954505}" type="datetimeFigureOut">
               <a:rPr lang="en-US" smtClean="0"/>
-              <a:t>6/12/25</a:t>
+              <a:t>8/27/25</a:t>
             </a:fld>
             <a:endParaRPr lang="en-US"/>
           </a:p>
@@ -2467,7 +2522,7 @@
           <a:p>
             <a:fld id="{AE933607-FF16-4D4F-96F4-15994D954505}" type="datetimeFigureOut">
               <a:rPr lang="en-US" smtClean="0"/>
-              <a:t>6/12/25</a:t>
+              <a:t>8/27/25</a:t>
             </a:fld>
             <a:endParaRPr lang="en-US"/>
           </a:p>
@@ -2580,7 +2635,7 @@
           <a:p>
             <a:fld id="{AE933607-FF16-4D4F-96F4-15994D954505}" type="datetimeFigureOut">
               <a:rPr lang="en-US" smtClean="0"/>
-              <a:t>6/12/25</a:t>
+              <a:t>8/27/25</a:t>
             </a:fld>
             <a:endParaRPr lang="en-US"/>
           </a:p>
@@ -2891,7 +2946,7 @@
           <a:p>
             <a:fld id="{AE933607-FF16-4D4F-96F4-15994D954505}" type="datetimeFigureOut">
               <a:rPr lang="en-US" smtClean="0"/>
-              <a:t>6/12/25</a:t>
+              <a:t>8/27/25</a:t>
             </a:fld>
             <a:endParaRPr lang="en-US"/>
           </a:p>
@@ -3179,7 +3234,7 @@
           <a:p>
             <a:fld id="{AE933607-FF16-4D4F-96F4-15994D954505}" type="datetimeFigureOut">
               <a:rPr lang="en-US" smtClean="0"/>
-              <a:t>6/12/25</a:t>
+              <a:t>8/27/25</a:t>
             </a:fld>
             <a:endParaRPr lang="en-US"/>
           </a:p>
@@ -3420,7 +3475,7 @@
           <a:p>
             <a:fld id="{AE933607-FF16-4D4F-96F4-15994D954505}" type="datetimeFigureOut">
               <a:rPr lang="en-US" smtClean="0"/>
-              <a:t>6/12/25</a:t>
+              <a:t>8/27/25</a:t>
             </a:fld>
             <a:endParaRPr lang="en-US"/>
           </a:p>
